--- a/(青年聖歌I134)真神之愛.pptx
+++ b/(青年聖歌I134)真神之愛.pptx
@@ -12,7 +12,7 @@
     <p:sldId id="260" r:id="rId6"/>
     <p:sldId id="261" r:id="rId7"/>
   </p:sldIdLst>
-  <p:sldSz cx="9144000" cy="6858000" type="screen4x3"/>
+  <p:sldSz cx="9144000" cy="5143500" type="screen16x9"/>
   <p:notesSz cx="6858000" cy="9144000"/>
   <p:defaultTextStyle>
     <a:defPPr>
@@ -141,8 +141,8 @@
         </p:nvSpPr>
         <p:spPr>
           <a:xfrm>
-            <a:off x="685800" y="2130425"/>
-            <a:ext cx="7772400" cy="1470025"/>
+            <a:off x="685800" y="1597819"/>
+            <a:ext cx="7772400" cy="1102519"/>
           </a:xfrm>
         </p:spPr>
         <p:txBody>
@@ -169,8 +169,8 @@
         </p:nvSpPr>
         <p:spPr>
           <a:xfrm>
-            <a:off x="1371600" y="3886200"/>
-            <a:ext cx="6400800" cy="1752600"/>
+            <a:off x="1371600" y="2914650"/>
+            <a:ext cx="6400800" cy="1314450"/>
           </a:xfrm>
         </p:spPr>
         <p:txBody>
@@ -294,7 +294,7 @@
             <a:fld id="{BB57629D-B0A4-4A44-BE34-F116DC9A06E5}" type="datetimeFigureOut">
               <a:rPr lang="zh-TW" altLang="en-US" smtClean="0"/>
               <a:pPr/>
-              <a:t>2018/3/17</a:t>
+              <a:t>2019/10/10</a:t>
             </a:fld>
             <a:endParaRPr lang="zh-TW" altLang="en-US"/>
           </a:p>
@@ -461,7 +461,7 @@
             <a:fld id="{BB57629D-B0A4-4A44-BE34-F116DC9A06E5}" type="datetimeFigureOut">
               <a:rPr lang="zh-TW" altLang="en-US" smtClean="0"/>
               <a:pPr/>
-              <a:t>2018/3/17</a:t>
+              <a:t>2019/10/10</a:t>
             </a:fld>
             <a:endParaRPr lang="zh-TW" altLang="en-US"/>
           </a:p>
@@ -547,8 +547,8 @@
         </p:nvSpPr>
         <p:spPr>
           <a:xfrm>
-            <a:off x="6629400" y="274638"/>
-            <a:ext cx="2057400" cy="5851525"/>
+            <a:off x="6629400" y="205979"/>
+            <a:ext cx="2057400" cy="4388644"/>
           </a:xfrm>
         </p:spPr>
         <p:txBody>
@@ -575,8 +575,8 @@
         </p:nvSpPr>
         <p:spPr>
           <a:xfrm>
-            <a:off x="457200" y="274638"/>
-            <a:ext cx="6019800" cy="5851525"/>
+            <a:off x="457200" y="205979"/>
+            <a:ext cx="6019800" cy="4388644"/>
           </a:xfrm>
         </p:spPr>
         <p:txBody>
@@ -638,7 +638,7 @@
             <a:fld id="{BB57629D-B0A4-4A44-BE34-F116DC9A06E5}" type="datetimeFigureOut">
               <a:rPr lang="zh-TW" altLang="en-US" smtClean="0"/>
               <a:pPr/>
-              <a:t>2018/3/17</a:t>
+              <a:t>2019/10/10</a:t>
             </a:fld>
             <a:endParaRPr lang="zh-TW" altLang="en-US"/>
           </a:p>
@@ -805,7 +805,7 @@
             <a:fld id="{BB57629D-B0A4-4A44-BE34-F116DC9A06E5}" type="datetimeFigureOut">
               <a:rPr lang="zh-TW" altLang="en-US" smtClean="0"/>
               <a:pPr/>
-              <a:t>2018/3/17</a:t>
+              <a:t>2019/10/10</a:t>
             </a:fld>
             <a:endParaRPr lang="zh-TW" altLang="en-US"/>
           </a:p>
@@ -891,8 +891,8 @@
         </p:nvSpPr>
         <p:spPr>
           <a:xfrm>
-            <a:off x="722313" y="4406900"/>
-            <a:ext cx="7772400" cy="1362075"/>
+            <a:off x="722313" y="3305176"/>
+            <a:ext cx="7772400" cy="1021556"/>
           </a:xfrm>
         </p:spPr>
         <p:txBody>
@@ -923,8 +923,8 @@
         </p:nvSpPr>
         <p:spPr>
           <a:xfrm>
-            <a:off x="722313" y="2906713"/>
-            <a:ext cx="7772400" cy="1500187"/>
+            <a:off x="722313" y="2180035"/>
+            <a:ext cx="7772400" cy="1125140"/>
           </a:xfrm>
         </p:spPr>
         <p:txBody>
@@ -1048,7 +1048,7 @@
             <a:fld id="{BB57629D-B0A4-4A44-BE34-F116DC9A06E5}" type="datetimeFigureOut">
               <a:rPr lang="zh-TW" altLang="en-US" smtClean="0"/>
               <a:pPr/>
-              <a:t>2018/3/17</a:t>
+              <a:t>2019/10/10</a:t>
             </a:fld>
             <a:endParaRPr lang="zh-TW" altLang="en-US"/>
           </a:p>
@@ -1157,8 +1157,8 @@
         </p:nvSpPr>
         <p:spPr>
           <a:xfrm>
-            <a:off x="457200" y="1600200"/>
-            <a:ext cx="4038600" cy="4525963"/>
+            <a:off x="457200" y="1200151"/>
+            <a:ext cx="4038600" cy="3394472"/>
           </a:xfrm>
         </p:spPr>
         <p:txBody>
@@ -1242,8 +1242,8 @@
         </p:nvSpPr>
         <p:spPr>
           <a:xfrm>
-            <a:off x="4648200" y="1600200"/>
-            <a:ext cx="4038600" cy="4525963"/>
+            <a:off x="4648200" y="1200151"/>
+            <a:ext cx="4038600" cy="3394472"/>
           </a:xfrm>
         </p:spPr>
         <p:txBody>
@@ -1333,7 +1333,7 @@
             <a:fld id="{BB57629D-B0A4-4A44-BE34-F116DC9A06E5}" type="datetimeFigureOut">
               <a:rPr lang="zh-TW" altLang="en-US" smtClean="0"/>
               <a:pPr/>
-              <a:t>2018/3/17</a:t>
+              <a:t>2019/10/10</a:t>
             </a:fld>
             <a:endParaRPr lang="zh-TW" altLang="en-US"/>
           </a:p>
@@ -1446,8 +1446,8 @@
         </p:nvSpPr>
         <p:spPr>
           <a:xfrm>
-            <a:off x="457200" y="1535113"/>
-            <a:ext cx="4040188" cy="639762"/>
+            <a:off x="457200" y="1151335"/>
+            <a:ext cx="4040188" cy="479822"/>
           </a:xfrm>
         </p:spPr>
         <p:txBody>
@@ -1511,8 +1511,8 @@
         </p:nvSpPr>
         <p:spPr>
           <a:xfrm>
-            <a:off x="457200" y="2174875"/>
-            <a:ext cx="4040188" cy="3951288"/>
+            <a:off x="457200" y="1631156"/>
+            <a:ext cx="4040188" cy="2963466"/>
           </a:xfrm>
         </p:spPr>
         <p:txBody>
@@ -1596,8 +1596,8 @@
         </p:nvSpPr>
         <p:spPr>
           <a:xfrm>
-            <a:off x="4645025" y="1535113"/>
-            <a:ext cx="4041775" cy="639762"/>
+            <a:off x="4645026" y="1151335"/>
+            <a:ext cx="4041775" cy="479822"/>
           </a:xfrm>
         </p:spPr>
         <p:txBody>
@@ -1661,8 +1661,8 @@
         </p:nvSpPr>
         <p:spPr>
           <a:xfrm>
-            <a:off x="4645025" y="2174875"/>
-            <a:ext cx="4041775" cy="3951288"/>
+            <a:off x="4645026" y="1631156"/>
+            <a:ext cx="4041775" cy="2963466"/>
           </a:xfrm>
         </p:spPr>
         <p:txBody>
@@ -1752,7 +1752,7 @@
             <a:fld id="{BB57629D-B0A4-4A44-BE34-F116DC9A06E5}" type="datetimeFigureOut">
               <a:rPr lang="zh-TW" altLang="en-US" smtClean="0"/>
               <a:pPr/>
-              <a:t>2018/3/17</a:t>
+              <a:t>2019/10/10</a:t>
             </a:fld>
             <a:endParaRPr lang="zh-TW" altLang="en-US"/>
           </a:p>
@@ -1867,7 +1867,7 @@
             <a:fld id="{BB57629D-B0A4-4A44-BE34-F116DC9A06E5}" type="datetimeFigureOut">
               <a:rPr lang="zh-TW" altLang="en-US" smtClean="0"/>
               <a:pPr/>
-              <a:t>2018/3/17</a:t>
+              <a:t>2019/10/10</a:t>
             </a:fld>
             <a:endParaRPr lang="zh-TW" altLang="en-US"/>
           </a:p>
@@ -1959,7 +1959,7 @@
             <a:fld id="{BB57629D-B0A4-4A44-BE34-F116DC9A06E5}" type="datetimeFigureOut">
               <a:rPr lang="zh-TW" altLang="en-US" smtClean="0"/>
               <a:pPr/>
-              <a:t>2018/3/17</a:t>
+              <a:t>2019/10/10</a:t>
             </a:fld>
             <a:endParaRPr lang="zh-TW" altLang="en-US"/>
           </a:p>
@@ -2045,8 +2045,8 @@
         </p:nvSpPr>
         <p:spPr>
           <a:xfrm>
-            <a:off x="457200" y="273050"/>
-            <a:ext cx="3008313" cy="1162050"/>
+            <a:off x="457201" y="204787"/>
+            <a:ext cx="3008313" cy="871538"/>
           </a:xfrm>
         </p:spPr>
         <p:txBody>
@@ -2077,8 +2077,8 @@
         </p:nvSpPr>
         <p:spPr>
           <a:xfrm>
-            <a:off x="3575050" y="273050"/>
-            <a:ext cx="5111750" cy="5853113"/>
+            <a:off x="3575050" y="204788"/>
+            <a:ext cx="5111750" cy="4389835"/>
           </a:xfrm>
         </p:spPr>
         <p:txBody>
@@ -2162,8 +2162,8 @@
         </p:nvSpPr>
         <p:spPr>
           <a:xfrm>
-            <a:off x="457200" y="1435100"/>
-            <a:ext cx="3008313" cy="4691063"/>
+            <a:off x="457201" y="1076326"/>
+            <a:ext cx="3008313" cy="3518297"/>
           </a:xfrm>
         </p:spPr>
         <p:txBody>
@@ -2233,7 +2233,7 @@
             <a:fld id="{BB57629D-B0A4-4A44-BE34-F116DC9A06E5}" type="datetimeFigureOut">
               <a:rPr lang="zh-TW" altLang="en-US" smtClean="0"/>
               <a:pPr/>
-              <a:t>2018/3/17</a:t>
+              <a:t>2019/10/10</a:t>
             </a:fld>
             <a:endParaRPr lang="zh-TW" altLang="en-US"/>
           </a:p>
@@ -2319,8 +2319,8 @@
         </p:nvSpPr>
         <p:spPr>
           <a:xfrm>
-            <a:off x="1792288" y="4800600"/>
-            <a:ext cx="5486400" cy="566738"/>
+            <a:off x="1792288" y="3600450"/>
+            <a:ext cx="5486400" cy="425054"/>
           </a:xfrm>
         </p:spPr>
         <p:txBody>
@@ -2351,8 +2351,8 @@
         </p:nvSpPr>
         <p:spPr>
           <a:xfrm>
-            <a:off x="1792288" y="612775"/>
-            <a:ext cx="5486400" cy="4114800"/>
+            <a:off x="1792288" y="459581"/>
+            <a:ext cx="5486400" cy="3086100"/>
           </a:xfrm>
         </p:spPr>
         <p:txBody>
@@ -2416,8 +2416,8 @@
         </p:nvSpPr>
         <p:spPr>
           <a:xfrm>
-            <a:off x="1792288" y="5367338"/>
-            <a:ext cx="5486400" cy="804862"/>
+            <a:off x="1792288" y="4025503"/>
+            <a:ext cx="5486400" cy="603647"/>
           </a:xfrm>
         </p:spPr>
         <p:txBody>
@@ -2487,7 +2487,7 @@
             <a:fld id="{BB57629D-B0A4-4A44-BE34-F116DC9A06E5}" type="datetimeFigureOut">
               <a:rPr lang="zh-TW" altLang="en-US" smtClean="0"/>
               <a:pPr/>
-              <a:t>2018/3/17</a:t>
+              <a:t>2019/10/10</a:t>
             </a:fld>
             <a:endParaRPr lang="zh-TW" altLang="en-US"/>
           </a:p>
@@ -2583,8 +2583,8 @@
         </p:nvSpPr>
         <p:spPr>
           <a:xfrm>
-            <a:off x="457200" y="274638"/>
-            <a:ext cx="8229600" cy="1143000"/>
+            <a:off x="457200" y="205979"/>
+            <a:ext cx="8229600" cy="857250"/>
           </a:xfrm>
           <a:prstGeom prst="rect">
             <a:avLst/>
@@ -2616,8 +2616,8 @@
         </p:nvSpPr>
         <p:spPr>
           <a:xfrm>
-            <a:off x="457200" y="1600200"/>
-            <a:ext cx="8229600" cy="4525963"/>
+            <a:off x="457200" y="1200151"/>
+            <a:ext cx="8229600" cy="3394472"/>
           </a:xfrm>
           <a:prstGeom prst="rect">
             <a:avLst/>
@@ -2678,8 +2678,8 @@
         </p:nvSpPr>
         <p:spPr>
           <a:xfrm>
-            <a:off x="457200" y="6356350"/>
-            <a:ext cx="2133600" cy="365125"/>
+            <a:off x="457200" y="4767263"/>
+            <a:ext cx="2133600" cy="273844"/>
           </a:xfrm>
           <a:prstGeom prst="rect">
             <a:avLst/>
@@ -2702,7 +2702,7 @@
             <a:fld id="{BB57629D-B0A4-4A44-BE34-F116DC9A06E5}" type="datetimeFigureOut">
               <a:rPr lang="zh-TW" altLang="en-US" smtClean="0"/>
               <a:pPr/>
-              <a:t>2018/3/17</a:t>
+              <a:t>2019/10/10</a:t>
             </a:fld>
             <a:endParaRPr lang="zh-TW" altLang="en-US"/>
           </a:p>
@@ -2720,8 +2720,8 @@
         </p:nvSpPr>
         <p:spPr>
           <a:xfrm>
-            <a:off x="3124200" y="6356350"/>
-            <a:ext cx="2895600" cy="365125"/>
+            <a:off x="3124200" y="4767263"/>
+            <a:ext cx="2895600" cy="273844"/>
           </a:xfrm>
           <a:prstGeom prst="rect">
             <a:avLst/>
@@ -2757,8 +2757,8 @@
         </p:nvSpPr>
         <p:spPr>
           <a:xfrm>
-            <a:off x="6553200" y="6356350"/>
-            <a:ext cx="2133600" cy="365125"/>
+            <a:off x="6553200" y="4767263"/>
+            <a:ext cx="2133600" cy="273844"/>
           </a:xfrm>
           <a:prstGeom prst="rect">
             <a:avLst/>
@@ -3085,11 +3085,13 @@
         </p:nvSpPr>
         <p:spPr/>
         <p:txBody>
-          <a:bodyPr/>
-          <a:lstStyle/>
-          <a:p>
-            <a:r>
-              <a:rPr lang="zh-CN" altLang="en-US" b="1" dirty="0" smtClean="0">
+          <a:bodyPr>
+            <a:normAutofit/>
+          </a:bodyPr>
+          <a:lstStyle/>
+          <a:p>
+            <a:r>
+              <a:rPr lang="zh-CN" altLang="en-US" sz="4000" b="1" dirty="0" smtClean="0">
                 <a:solidFill>
                   <a:srgbClr val="000066"/>
                 </a:solidFill>
@@ -3098,7 +3100,7 @@
               </a:rPr>
               <a:t>真神之愛</a:t>
             </a:r>
-            <a:endParaRPr lang="zh-TW" altLang="en-US" b="1" dirty="0">
+            <a:endParaRPr lang="zh-TW" altLang="en-US" sz="4000" b="1" dirty="0">
               <a:solidFill>
                 <a:srgbClr val="000066"/>
               </a:solidFill>
@@ -3121,7 +3123,7 @@
         <p:spPr/>
         <p:txBody>
           <a:bodyPr>
-            <a:normAutofit/>
+            <a:noAutofit/>
           </a:bodyPr>
           <a:lstStyle/>
           <a:p>
@@ -3129,7 +3131,7 @@
               <a:buNone/>
             </a:pPr>
             <a:r>
-              <a:rPr lang="zh-CN" altLang="en-US" sz="5400" b="1" dirty="0" smtClean="0">
+              <a:rPr lang="zh-CN" altLang="en-US" sz="4800" b="1" dirty="0" smtClean="0">
                 <a:solidFill>
                   <a:srgbClr val="000066"/>
                 </a:solidFill>
@@ -3138,7 +3140,7 @@
               </a:rPr>
               <a:t>真神之愛 偉大無窮</a:t>
             </a:r>
-            <a:endParaRPr lang="en-US" altLang="zh-CN" sz="5400" b="1" dirty="0" smtClean="0">
+            <a:endParaRPr lang="en-US" altLang="zh-CN" sz="4800" b="1" dirty="0" smtClean="0">
               <a:solidFill>
                 <a:srgbClr val="000066"/>
               </a:solidFill>
@@ -3151,7 +3153,7 @@
               <a:buNone/>
             </a:pPr>
             <a:r>
-              <a:rPr lang="zh-CN" altLang="en-US" sz="5400" b="1" dirty="0" smtClean="0">
+              <a:rPr lang="zh-CN" altLang="en-US" sz="4800" b="1" dirty="0" smtClean="0">
                 <a:solidFill>
                   <a:srgbClr val="000066"/>
                 </a:solidFill>
@@ -3160,7 +3162,7 @@
               </a:rPr>
               <a:t>口舌筆墨 難以形容</a:t>
             </a:r>
-            <a:endParaRPr lang="en-US" altLang="zh-CN" sz="5400" b="1" dirty="0" smtClean="0">
+            <a:endParaRPr lang="en-US" altLang="zh-CN" sz="4800" b="1" dirty="0" smtClean="0">
               <a:solidFill>
                 <a:srgbClr val="000066"/>
               </a:solidFill>
@@ -3173,7 +3175,7 @@
               <a:buNone/>
             </a:pPr>
             <a:r>
-              <a:rPr lang="zh-CN" altLang="en-US" sz="5400" b="1" dirty="0" smtClean="0">
+              <a:rPr lang="zh-CN" altLang="en-US" sz="4800" b="1" dirty="0" smtClean="0">
                 <a:solidFill>
                   <a:srgbClr val="000066"/>
                 </a:solidFill>
@@ -3182,7 +3184,7 @@
               </a:rPr>
               <a:t>高超諸星 深達地獄</a:t>
             </a:r>
-            <a:endParaRPr lang="en-US" altLang="zh-CN" sz="5400" b="1" dirty="0" smtClean="0">
+            <a:endParaRPr lang="en-US" altLang="zh-CN" sz="4800" b="1" dirty="0" smtClean="0">
               <a:solidFill>
                 <a:srgbClr val="000066"/>
               </a:solidFill>
@@ -3195,7 +3197,7 @@
               <a:buNone/>
             </a:pPr>
             <a:r>
-              <a:rPr lang="zh-CN" altLang="en-US" sz="5400" b="1" dirty="0">
+              <a:rPr lang="zh-CN" altLang="en-US" sz="4800" b="1" dirty="0">
                 <a:solidFill>
                   <a:srgbClr val="000066"/>
                 </a:solidFill>
@@ -3205,7 +3207,7 @@
               <a:t>長</a:t>
             </a:r>
             <a:r>
-              <a:rPr lang="zh-CN" altLang="en-US" sz="5400" b="1" dirty="0" smtClean="0">
+              <a:rPr lang="zh-CN" altLang="en-US" sz="4800" b="1" dirty="0" smtClean="0">
                 <a:solidFill>
                   <a:srgbClr val="000066"/>
                 </a:solidFill>
@@ -3214,12 +3216,50 @@
               </a:rPr>
               <a:t>闊高深 世無相同</a:t>
             </a:r>
-            <a:endParaRPr lang="zh-TW" altLang="en-US" sz="5400" b="1" dirty="0">
+            <a:endParaRPr lang="zh-TW" altLang="en-US" sz="4800" b="1" dirty="0">
               <a:solidFill>
                 <a:srgbClr val="000066"/>
               </a:solidFill>
               <a:latin typeface="微軟正黑體" pitchFamily="34" charset="-120"/>
               <a:ea typeface="微軟正黑體" pitchFamily="34" charset="-120"/>
+            </a:endParaRPr>
+          </a:p>
+        </p:txBody>
+      </p:sp>
+      <p:sp>
+        <p:nvSpPr>
+          <p:cNvPr id="3" name="TextBox 2"/>
+          <p:cNvSpPr txBox="1"/>
+          <p:nvPr/>
+        </p:nvSpPr>
+        <p:spPr>
+          <a:xfrm>
+            <a:off x="1115616" y="1275606"/>
+            <a:ext cx="720080" cy="769441"/>
+          </a:xfrm>
+          <a:prstGeom prst="rect">
+            <a:avLst/>
+          </a:prstGeom>
+          <a:noFill/>
+        </p:spPr>
+        <p:txBody>
+          <a:bodyPr wrap="square" rtlCol="0">
+            <a:spAutoFit/>
+          </a:bodyPr>
+          <a:lstStyle/>
+          <a:p>
+            <a:r>
+              <a:rPr lang="en-US" sz="4400" b="1" dirty="0" smtClean="0">
+                <a:solidFill>
+                  <a:srgbClr val="000066"/>
+                </a:solidFill>
+              </a:rPr>
+              <a:t>1.</a:t>
+            </a:r>
+            <a:endParaRPr lang="en-US" sz="4400" b="1" dirty="0">
+              <a:solidFill>
+                <a:srgbClr val="000066"/>
+              </a:solidFill>
             </a:endParaRPr>
           </a:p>
         </p:txBody>
@@ -3261,11 +3301,13 @@
         </p:nvSpPr>
         <p:spPr/>
         <p:txBody>
-          <a:bodyPr/>
-          <a:lstStyle/>
-          <a:p>
-            <a:r>
-              <a:rPr lang="zh-CN" altLang="en-US" b="1" dirty="0" smtClean="0">
+          <a:bodyPr>
+            <a:normAutofit/>
+          </a:bodyPr>
+          <a:lstStyle/>
+          <a:p>
+            <a:r>
+              <a:rPr lang="zh-CN" altLang="en-US" sz="4000" b="1" dirty="0">
                 <a:solidFill>
                   <a:srgbClr val="000066"/>
                 </a:solidFill>
@@ -3274,7 +3316,7 @@
               </a:rPr>
               <a:t>真神之愛</a:t>
             </a:r>
-            <a:endParaRPr lang="zh-TW" altLang="en-US" b="1" dirty="0">
+            <a:endParaRPr lang="zh-TW" altLang="en-US" sz="4000" b="1" dirty="0">
               <a:solidFill>
                 <a:srgbClr val="000066"/>
               </a:solidFill>
@@ -3297,7 +3339,7 @@
         <p:spPr/>
         <p:txBody>
           <a:bodyPr>
-            <a:normAutofit/>
+            <a:noAutofit/>
           </a:bodyPr>
           <a:lstStyle/>
           <a:p>
@@ -3305,7 +3347,7 @@
               <a:buNone/>
             </a:pPr>
             <a:r>
-              <a:rPr lang="zh-CN" altLang="en-US" sz="5400" b="1" dirty="0" smtClean="0">
+              <a:rPr lang="zh-CN" altLang="en-US" sz="4800" b="1" dirty="0">
                 <a:solidFill>
                   <a:srgbClr val="000066"/>
                 </a:solidFill>
@@ -3314,7 +3356,7 @@
               </a:rPr>
               <a:t>始祖犯罪 墮入引誘</a:t>
             </a:r>
-            <a:endParaRPr lang="en-US" altLang="zh-CN" sz="5400" b="1" dirty="0" smtClean="0">
+            <a:endParaRPr lang="en-US" altLang="zh-CN" sz="4800" b="1" dirty="0">
               <a:solidFill>
                 <a:srgbClr val="000066"/>
               </a:solidFill>
@@ -3327,7 +3369,7 @@
               <a:buNone/>
             </a:pPr>
             <a:r>
-              <a:rPr lang="zh-CN" altLang="en-US" sz="5400" b="1" dirty="0" smtClean="0">
+              <a:rPr lang="zh-CN" altLang="en-US" sz="4800" b="1" dirty="0">
                 <a:solidFill>
                   <a:srgbClr val="000066"/>
                 </a:solidFill>
@@ -3336,7 +3378,7 @@
               </a:rPr>
               <a:t>神遣愛子拯救</a:t>
             </a:r>
-            <a:endParaRPr lang="en-US" altLang="zh-CN" sz="5400" b="1" dirty="0" smtClean="0">
+            <a:endParaRPr lang="en-US" altLang="zh-CN" sz="4800" b="1" dirty="0">
               <a:solidFill>
                 <a:srgbClr val="000066"/>
               </a:solidFill>
@@ -3349,7 +3391,7 @@
               <a:buNone/>
             </a:pPr>
             <a:r>
-              <a:rPr lang="zh-CN" altLang="en-US" sz="5400" b="1" dirty="0" smtClean="0">
+              <a:rPr lang="zh-CN" altLang="en-US" sz="4800" b="1" dirty="0">
                 <a:solidFill>
                   <a:srgbClr val="000066"/>
                 </a:solidFill>
@@ -3358,7 +3400,7 @@
               </a:rPr>
               <a:t>使我罪人 與神和好</a:t>
             </a:r>
-            <a:endParaRPr lang="en-US" altLang="zh-CN" sz="5400" b="1" dirty="0" smtClean="0">
+            <a:endParaRPr lang="en-US" altLang="zh-CN" sz="4800" b="1" dirty="0">
               <a:solidFill>
                 <a:srgbClr val="000066"/>
               </a:solidFill>
@@ -3371,7 +3413,7 @@
               <a:buNone/>
             </a:pPr>
             <a:r>
-              <a:rPr lang="zh-CN" altLang="en-US" sz="5400" b="1" dirty="0" smtClean="0">
+              <a:rPr lang="zh-CN" altLang="en-US" sz="4800" b="1" dirty="0">
                 <a:solidFill>
                   <a:srgbClr val="000066"/>
                 </a:solidFill>
@@ -3380,12 +3422,50 @@
               </a:rPr>
               <a:t>赦免一切罪尤</a:t>
             </a:r>
-            <a:endParaRPr lang="zh-TW" altLang="en-US" sz="5400" b="1" dirty="0">
+            <a:endParaRPr lang="zh-TW" altLang="en-US" sz="4800" b="1" dirty="0">
               <a:solidFill>
                 <a:srgbClr val="000066"/>
               </a:solidFill>
               <a:latin typeface="微軟正黑體" pitchFamily="34" charset="-120"/>
               <a:ea typeface="微軟正黑體" pitchFamily="34" charset="-120"/>
+            </a:endParaRPr>
+          </a:p>
+        </p:txBody>
+      </p:sp>
+      <p:sp>
+        <p:nvSpPr>
+          <p:cNvPr id="5" name="TextBox 4"/>
+          <p:cNvSpPr txBox="1"/>
+          <p:nvPr/>
+        </p:nvSpPr>
+        <p:spPr>
+          <a:xfrm>
+            <a:off x="1115616" y="1275606"/>
+            <a:ext cx="720080" cy="769441"/>
+          </a:xfrm>
+          <a:prstGeom prst="rect">
+            <a:avLst/>
+          </a:prstGeom>
+          <a:noFill/>
+        </p:spPr>
+        <p:txBody>
+          <a:bodyPr wrap="square" rtlCol="0">
+            <a:spAutoFit/>
+          </a:bodyPr>
+          <a:lstStyle/>
+          <a:p>
+            <a:r>
+              <a:rPr lang="en-US" sz="4400" b="1" dirty="0" smtClean="0">
+                <a:solidFill>
+                  <a:srgbClr val="000066"/>
+                </a:solidFill>
+              </a:rPr>
+              <a:t>1.</a:t>
+            </a:r>
+            <a:endParaRPr lang="en-US" sz="4400" b="1" dirty="0">
+              <a:solidFill>
+                <a:srgbClr val="000066"/>
+              </a:solidFill>
             </a:endParaRPr>
           </a:p>
         </p:txBody>
@@ -3427,11 +3507,13 @@
         </p:nvSpPr>
         <p:spPr/>
         <p:txBody>
-          <a:bodyPr/>
-          <a:lstStyle/>
-          <a:p>
-            <a:r>
-              <a:rPr lang="zh-CN" altLang="en-US" b="1" dirty="0" smtClean="0">
+          <a:bodyPr>
+            <a:normAutofit/>
+          </a:bodyPr>
+          <a:lstStyle/>
+          <a:p>
+            <a:r>
+              <a:rPr lang="zh-CN" altLang="en-US" sz="4000" b="1" dirty="0">
                 <a:solidFill>
                   <a:srgbClr val="000066"/>
                 </a:solidFill>
@@ -3440,7 +3522,7 @@
               </a:rPr>
               <a:t>真神之愛</a:t>
             </a:r>
-            <a:endParaRPr lang="zh-TW" altLang="en-US" b="1" dirty="0">
+            <a:endParaRPr lang="zh-TW" altLang="en-US" sz="4000" b="1" dirty="0">
               <a:solidFill>
                 <a:srgbClr val="000066"/>
               </a:solidFill>
@@ -3463,7 +3545,7 @@
         <p:spPr/>
         <p:txBody>
           <a:bodyPr>
-            <a:normAutofit/>
+            <a:noAutofit/>
           </a:bodyPr>
           <a:lstStyle/>
           <a:p>
@@ -3471,7 +3553,7 @@
               <a:buNone/>
             </a:pPr>
             <a:r>
-              <a:rPr lang="zh-CN" altLang="en-US" sz="5400" b="1" dirty="0" smtClean="0">
+              <a:rPr lang="zh-CN" altLang="en-US" sz="4800" b="1" dirty="0">
                 <a:solidFill>
                   <a:srgbClr val="000066"/>
                 </a:solidFill>
@@ -3480,7 +3562,7 @@
               </a:rPr>
               <a:t>阿神之愛 何等豐富</a:t>
             </a:r>
-            <a:endParaRPr lang="en-US" altLang="zh-CN" sz="5400" b="1" dirty="0" smtClean="0">
+            <a:endParaRPr lang="en-US" altLang="zh-CN" sz="4800" b="1" dirty="0">
               <a:solidFill>
                 <a:srgbClr val="000066"/>
               </a:solidFill>
@@ -3493,7 +3575,7 @@
               <a:buNone/>
             </a:pPr>
             <a:r>
-              <a:rPr lang="zh-CN" altLang="en-US" sz="5400" b="1" dirty="0" smtClean="0">
+              <a:rPr lang="zh-CN" altLang="en-US" sz="4800" b="1" dirty="0">
                 <a:solidFill>
                   <a:srgbClr val="000066"/>
                 </a:solidFill>
@@ -3502,7 +3584,7 @@
               </a:rPr>
               <a:t>偉大無限無量</a:t>
             </a:r>
-            <a:endParaRPr lang="en-US" altLang="zh-CN" sz="5400" b="1" dirty="0" smtClean="0">
+            <a:endParaRPr lang="en-US" altLang="zh-CN" sz="4800" b="1" dirty="0">
               <a:solidFill>
                 <a:srgbClr val="000066"/>
               </a:solidFill>
@@ -3515,7 +3597,7 @@
               <a:buNone/>
             </a:pPr>
             <a:r>
-              <a:rPr lang="zh-CN" altLang="en-US" sz="5400" b="1" dirty="0" smtClean="0">
+              <a:rPr lang="zh-CN" altLang="en-US" sz="4800" b="1" dirty="0">
                 <a:solidFill>
                   <a:srgbClr val="000066"/>
                 </a:solidFill>
@@ -3524,7 +3606,7 @@
               </a:rPr>
               <a:t>永遠堅定 永遠不變</a:t>
             </a:r>
-            <a:endParaRPr lang="en-US" altLang="zh-CN" sz="5400" b="1" dirty="0" smtClean="0">
+            <a:endParaRPr lang="en-US" altLang="zh-CN" sz="4800" b="1" dirty="0">
               <a:solidFill>
                 <a:srgbClr val="000066"/>
               </a:solidFill>
@@ -3537,7 +3619,7 @@
               <a:buNone/>
             </a:pPr>
             <a:r>
-              <a:rPr lang="zh-CN" altLang="en-US" sz="5400" b="1" dirty="0" smtClean="0">
+              <a:rPr lang="zh-CN" altLang="en-US" sz="4800" b="1" dirty="0">
                 <a:solidFill>
                   <a:srgbClr val="000066"/>
                 </a:solidFill>
@@ -3546,7 +3628,7 @@
               </a:rPr>
               <a:t>天使聖徒頌揚</a:t>
             </a:r>
-            <a:endParaRPr lang="zh-TW" altLang="en-US" sz="5400" b="1" dirty="0">
+            <a:endParaRPr lang="zh-TW" altLang="en-US" sz="4800" b="1" dirty="0">
               <a:solidFill>
                 <a:srgbClr val="000066"/>
               </a:solidFill>
@@ -3593,11 +3675,13 @@
         </p:nvSpPr>
         <p:spPr/>
         <p:txBody>
-          <a:bodyPr/>
-          <a:lstStyle/>
-          <a:p>
-            <a:r>
-              <a:rPr lang="zh-CN" altLang="en-US" b="1" dirty="0" smtClean="0">
+          <a:bodyPr>
+            <a:normAutofit/>
+          </a:bodyPr>
+          <a:lstStyle/>
+          <a:p>
+            <a:r>
+              <a:rPr lang="zh-CN" altLang="en-US" sz="4000" b="1" dirty="0">
                 <a:solidFill>
                   <a:srgbClr val="000066"/>
                 </a:solidFill>
@@ -3606,7 +3690,7 @@
               </a:rPr>
               <a:t>真神之愛</a:t>
             </a:r>
-            <a:endParaRPr lang="zh-TW" altLang="en-US" b="1" dirty="0">
+            <a:endParaRPr lang="zh-TW" altLang="en-US" sz="4000" b="1" dirty="0">
               <a:solidFill>
                 <a:srgbClr val="000066"/>
               </a:solidFill>
@@ -3629,7 +3713,7 @@
         <p:spPr/>
         <p:txBody>
           <a:bodyPr>
-            <a:normAutofit/>
+            <a:noAutofit/>
           </a:bodyPr>
           <a:lstStyle/>
           <a:p>
@@ -3637,7 +3721,7 @@
               <a:buNone/>
             </a:pPr>
             <a:r>
-              <a:rPr lang="zh-CN" altLang="en-US" sz="5400" b="1" dirty="0" smtClean="0">
+              <a:rPr lang="zh-CN" altLang="en-US" sz="4800" b="1" dirty="0">
                 <a:solidFill>
                   <a:srgbClr val="000066"/>
                 </a:solidFill>
@@ -3646,7 +3730,7 @@
               </a:rPr>
               <a:t>天上諸天 當為紙張</a:t>
             </a:r>
-            <a:endParaRPr lang="en-US" altLang="zh-CN" sz="5400" b="1" dirty="0" smtClean="0">
+            <a:endParaRPr lang="en-US" altLang="zh-CN" sz="4800" b="1" dirty="0">
               <a:solidFill>
                 <a:srgbClr val="000066"/>
               </a:solidFill>
@@ -3659,7 +3743,7 @@
               <a:buNone/>
             </a:pPr>
             <a:r>
-              <a:rPr lang="zh-CN" altLang="en-US" sz="5400" b="1" dirty="0" smtClean="0">
+              <a:rPr lang="zh-CN" altLang="en-US" sz="4800" b="1" dirty="0">
                 <a:solidFill>
                   <a:srgbClr val="000066"/>
                 </a:solidFill>
@@ -3668,7 +3752,7 @@
               </a:rPr>
               <a:t>地下萬莖 當為筆桿</a:t>
             </a:r>
-            <a:endParaRPr lang="en-US" altLang="zh-CN" sz="5400" b="1" dirty="0" smtClean="0">
+            <a:endParaRPr lang="en-US" altLang="zh-CN" sz="4800" b="1" dirty="0">
               <a:solidFill>
                 <a:srgbClr val="000066"/>
               </a:solidFill>
@@ -3681,7 +3765,7 @@
               <a:buNone/>
             </a:pPr>
             <a:r>
-              <a:rPr lang="zh-CN" altLang="en-US" sz="5400" b="1" dirty="0" smtClean="0">
+              <a:rPr lang="zh-CN" altLang="en-US" sz="4800" b="1" dirty="0">
                 <a:solidFill>
                   <a:srgbClr val="000066"/>
                 </a:solidFill>
@@ -3690,7 +3774,7 @@
               </a:rPr>
               <a:t>世上海洋 當為墨水</a:t>
             </a:r>
-            <a:endParaRPr lang="en-US" altLang="zh-CN" sz="5400" b="1" dirty="0" smtClean="0">
+            <a:endParaRPr lang="en-US" altLang="zh-CN" sz="4800" b="1" dirty="0">
               <a:solidFill>
                 <a:srgbClr val="000066"/>
               </a:solidFill>
@@ -3703,7 +3787,7 @@
               <a:buNone/>
             </a:pPr>
             <a:r>
-              <a:rPr lang="zh-CN" altLang="en-US" sz="5400" b="1" dirty="0" smtClean="0">
+              <a:rPr lang="zh-CN" altLang="en-US" sz="4800" b="1" dirty="0">
                 <a:solidFill>
                   <a:srgbClr val="000066"/>
                 </a:solidFill>
@@ -3712,12 +3796,58 @@
               </a:rPr>
               <a:t>全球文人 集合苦幹</a:t>
             </a:r>
-            <a:endParaRPr lang="zh-TW" altLang="en-US" sz="5400" b="1" dirty="0">
+            <a:endParaRPr lang="zh-TW" altLang="en-US" sz="4800" b="1" dirty="0">
               <a:solidFill>
                 <a:srgbClr val="000066"/>
               </a:solidFill>
               <a:latin typeface="微軟正黑體" pitchFamily="34" charset="-120"/>
               <a:ea typeface="微軟正黑體" pitchFamily="34" charset="-120"/>
+            </a:endParaRPr>
+          </a:p>
+        </p:txBody>
+      </p:sp>
+      <p:sp>
+        <p:nvSpPr>
+          <p:cNvPr id="5" name="TextBox 4"/>
+          <p:cNvSpPr txBox="1"/>
+          <p:nvPr/>
+        </p:nvSpPr>
+        <p:spPr>
+          <a:xfrm>
+            <a:off x="1115616" y="1275606"/>
+            <a:ext cx="720080" cy="769441"/>
+          </a:xfrm>
+          <a:prstGeom prst="rect">
+            <a:avLst/>
+          </a:prstGeom>
+          <a:noFill/>
+        </p:spPr>
+        <p:txBody>
+          <a:bodyPr wrap="square" rtlCol="0">
+            <a:spAutoFit/>
+          </a:bodyPr>
+          <a:lstStyle/>
+          <a:p>
+            <a:r>
+              <a:rPr lang="en-US" sz="4400" b="1" dirty="0">
+                <a:solidFill>
+                  <a:srgbClr val="000066"/>
+                </a:solidFill>
+              </a:rPr>
+              <a:t>2</a:t>
+            </a:r>
+            <a:r>
+              <a:rPr lang="en-US" sz="4400" b="1" dirty="0" smtClean="0">
+                <a:solidFill>
+                  <a:srgbClr val="000066"/>
+                </a:solidFill>
+              </a:rPr>
+              <a:t>.</a:t>
+            </a:r>
+            <a:endParaRPr lang="en-US" sz="4400" b="1" dirty="0">
+              <a:solidFill>
+                <a:srgbClr val="000066"/>
+              </a:solidFill>
             </a:endParaRPr>
           </a:p>
         </p:txBody>
@@ -3759,11 +3889,13 @@
         </p:nvSpPr>
         <p:spPr/>
         <p:txBody>
-          <a:bodyPr/>
-          <a:lstStyle/>
-          <a:p>
-            <a:r>
-              <a:rPr lang="zh-CN" altLang="en-US" b="1" dirty="0" smtClean="0">
+          <a:bodyPr>
+            <a:normAutofit/>
+          </a:bodyPr>
+          <a:lstStyle/>
+          <a:p>
+            <a:r>
+              <a:rPr lang="zh-CN" altLang="en-US" sz="4000" b="1" dirty="0">
                 <a:solidFill>
                   <a:srgbClr val="000066"/>
                 </a:solidFill>
@@ -3772,7 +3904,7 @@
               </a:rPr>
               <a:t>真神之愛</a:t>
             </a:r>
-            <a:endParaRPr lang="zh-TW" altLang="en-US" b="1" dirty="0">
+            <a:endParaRPr lang="zh-TW" altLang="en-US" sz="4000" b="1" dirty="0">
               <a:solidFill>
                 <a:srgbClr val="000066"/>
               </a:solidFill>
@@ -3795,7 +3927,7 @@
         <p:spPr/>
         <p:txBody>
           <a:bodyPr>
-            <a:normAutofit/>
+            <a:noAutofit/>
           </a:bodyPr>
           <a:lstStyle/>
           <a:p>
@@ -3803,7 +3935,7 @@
               <a:buNone/>
             </a:pPr>
             <a:r>
-              <a:rPr lang="zh-CN" altLang="en-US" sz="5400" b="1" dirty="0" smtClean="0">
+              <a:rPr lang="zh-CN" altLang="en-US" sz="4800" b="1" dirty="0">
                 <a:solidFill>
                   <a:srgbClr val="000066"/>
                 </a:solidFill>
@@ -3812,7 +3944,7 @@
               </a:rPr>
               <a:t>耗盡智力 描寫神愛</a:t>
             </a:r>
-            <a:endParaRPr lang="en-US" altLang="zh-CN" sz="5400" b="1" dirty="0" smtClean="0">
+            <a:endParaRPr lang="en-US" altLang="zh-CN" sz="4800" b="1" dirty="0">
               <a:solidFill>
                 <a:srgbClr val="000066"/>
               </a:solidFill>
@@ -3825,7 +3957,7 @@
               <a:buNone/>
             </a:pPr>
             <a:r>
-              <a:rPr lang="zh-CN" altLang="en-US" sz="5400" b="1" dirty="0" smtClean="0">
+              <a:rPr lang="zh-CN" altLang="en-US" sz="4800" b="1" dirty="0">
                 <a:solidFill>
                   <a:srgbClr val="000066"/>
                 </a:solidFill>
@@ -3834,7 +3966,7 @@
               </a:rPr>
               <a:t>海洋墨水會乾</a:t>
             </a:r>
-            <a:endParaRPr lang="en-US" altLang="zh-CN" sz="5400" b="1" dirty="0" smtClean="0">
+            <a:endParaRPr lang="en-US" altLang="zh-CN" sz="4800" b="1" dirty="0">
               <a:solidFill>
                 <a:srgbClr val="000066"/>
               </a:solidFill>
@@ -3847,7 +3979,7 @@
               <a:buNone/>
             </a:pPr>
             <a:r>
-              <a:rPr lang="zh-CN" altLang="en-US" sz="5400" b="1" dirty="0" smtClean="0">
+              <a:rPr lang="zh-CN" altLang="en-US" sz="4800" b="1" dirty="0">
                 <a:solidFill>
                   <a:srgbClr val="000066"/>
                 </a:solidFill>
@@ -3856,7 +3988,7 @@
               </a:rPr>
               <a:t>案件雖長 如天連天</a:t>
             </a:r>
-            <a:endParaRPr lang="en-US" altLang="zh-CN" sz="5400" b="1" dirty="0" smtClean="0">
+            <a:endParaRPr lang="en-US" altLang="zh-CN" sz="4800" b="1" dirty="0">
               <a:solidFill>
                 <a:srgbClr val="000066"/>
               </a:solidFill>
@@ -3869,7 +4001,7 @@
               <a:buNone/>
             </a:pPr>
             <a:r>
-              <a:rPr lang="zh-CN" altLang="en-US" sz="5400" b="1" dirty="0" smtClean="0">
+              <a:rPr lang="zh-CN" altLang="en-US" sz="4800" b="1" dirty="0">
                 <a:solidFill>
                   <a:srgbClr val="000066"/>
                 </a:solidFill>
@@ -3878,12 +4010,58 @@
               </a:rPr>
               <a:t>仍難表達透暢</a:t>
             </a:r>
-            <a:endParaRPr lang="zh-TW" altLang="en-US" sz="5400" b="1" dirty="0">
+            <a:endParaRPr lang="zh-TW" altLang="en-US" sz="4800" b="1" dirty="0">
               <a:solidFill>
                 <a:srgbClr val="000066"/>
               </a:solidFill>
               <a:latin typeface="微軟正黑體" pitchFamily="34" charset="-120"/>
               <a:ea typeface="微軟正黑體" pitchFamily="34" charset="-120"/>
+            </a:endParaRPr>
+          </a:p>
+        </p:txBody>
+      </p:sp>
+      <p:sp>
+        <p:nvSpPr>
+          <p:cNvPr id="5" name="TextBox 4"/>
+          <p:cNvSpPr txBox="1"/>
+          <p:nvPr/>
+        </p:nvSpPr>
+        <p:spPr>
+          <a:xfrm>
+            <a:off x="1115616" y="1275606"/>
+            <a:ext cx="720080" cy="769441"/>
+          </a:xfrm>
+          <a:prstGeom prst="rect">
+            <a:avLst/>
+          </a:prstGeom>
+          <a:noFill/>
+        </p:spPr>
+        <p:txBody>
+          <a:bodyPr wrap="square" rtlCol="0">
+            <a:spAutoFit/>
+          </a:bodyPr>
+          <a:lstStyle/>
+          <a:p>
+            <a:r>
+              <a:rPr lang="en-US" sz="4400" b="1" dirty="0">
+                <a:solidFill>
+                  <a:srgbClr val="000066"/>
+                </a:solidFill>
+              </a:rPr>
+              <a:t>2</a:t>
+            </a:r>
+            <a:r>
+              <a:rPr lang="en-US" sz="4400" b="1" smtClean="0">
+                <a:solidFill>
+                  <a:srgbClr val="000066"/>
+                </a:solidFill>
+              </a:rPr>
+              <a:t>.</a:t>
+            </a:r>
+            <a:endParaRPr lang="en-US" sz="4400" b="1" dirty="0">
+              <a:solidFill>
+                <a:srgbClr val="000066"/>
+              </a:solidFill>
             </a:endParaRPr>
           </a:p>
         </p:txBody>
@@ -3925,11 +4103,13 @@
         </p:nvSpPr>
         <p:spPr/>
         <p:txBody>
-          <a:bodyPr/>
-          <a:lstStyle/>
-          <a:p>
-            <a:r>
-              <a:rPr lang="zh-CN" altLang="en-US" b="1" dirty="0" smtClean="0">
+          <a:bodyPr>
+            <a:normAutofit/>
+          </a:bodyPr>
+          <a:lstStyle/>
+          <a:p>
+            <a:r>
+              <a:rPr lang="zh-CN" altLang="en-US" sz="4000" b="1" dirty="0">
                 <a:solidFill>
                   <a:srgbClr val="000066"/>
                 </a:solidFill>
@@ -3938,7 +4118,7 @@
               </a:rPr>
               <a:t>真神之愛</a:t>
             </a:r>
-            <a:endParaRPr lang="zh-TW" altLang="en-US" b="1" dirty="0">
+            <a:endParaRPr lang="zh-TW" altLang="en-US" sz="4000" b="1" dirty="0">
               <a:solidFill>
                 <a:srgbClr val="000066"/>
               </a:solidFill>
@@ -3961,7 +4141,7 @@
         <p:spPr/>
         <p:txBody>
           <a:bodyPr>
-            <a:normAutofit/>
+            <a:noAutofit/>
           </a:bodyPr>
           <a:lstStyle/>
           <a:p>
@@ -3969,7 +4149,7 @@
               <a:buNone/>
             </a:pPr>
             <a:r>
-              <a:rPr lang="zh-CN" altLang="en-US" sz="5400" b="1" dirty="0" smtClean="0">
+              <a:rPr lang="zh-CN" altLang="en-US" sz="4800" b="1" dirty="0">
                 <a:solidFill>
                   <a:srgbClr val="000066"/>
                 </a:solidFill>
@@ -3978,7 +4158,7 @@
               </a:rPr>
               <a:t>阿神之愛 何等豐富</a:t>
             </a:r>
-            <a:endParaRPr lang="en-US" altLang="zh-CN" sz="5400" b="1" dirty="0" smtClean="0">
+            <a:endParaRPr lang="en-US" altLang="zh-CN" sz="4800" b="1" dirty="0">
               <a:solidFill>
                 <a:srgbClr val="000066"/>
               </a:solidFill>
@@ -3991,7 +4171,7 @@
               <a:buNone/>
             </a:pPr>
             <a:r>
-              <a:rPr lang="zh-CN" altLang="en-US" sz="5400" b="1" smtClean="0">
+              <a:rPr lang="zh-CN" altLang="en-US" sz="4800" b="1" dirty="0">
                 <a:solidFill>
                   <a:srgbClr val="000066"/>
                 </a:solidFill>
@@ -4000,7 +4180,7 @@
               </a:rPr>
               <a:t>偉大無限無量</a:t>
             </a:r>
-            <a:endParaRPr lang="en-US" altLang="zh-CN" sz="5400" b="1" dirty="0" smtClean="0">
+            <a:endParaRPr lang="en-US" altLang="zh-CN" sz="4800" b="1" dirty="0">
               <a:solidFill>
                 <a:srgbClr val="000066"/>
               </a:solidFill>
@@ -4013,7 +4193,7 @@
               <a:buNone/>
             </a:pPr>
             <a:r>
-              <a:rPr lang="zh-CN" altLang="en-US" sz="5400" b="1" dirty="0" smtClean="0">
+              <a:rPr lang="zh-CN" altLang="en-US" sz="4800" b="1" dirty="0">
                 <a:solidFill>
                   <a:srgbClr val="000066"/>
                 </a:solidFill>
@@ -4022,7 +4202,7 @@
               </a:rPr>
               <a:t>永遠堅定 永遠不變</a:t>
             </a:r>
-            <a:endParaRPr lang="en-US" altLang="zh-CN" sz="5400" b="1" dirty="0" smtClean="0">
+            <a:endParaRPr lang="en-US" altLang="zh-CN" sz="4800" b="1" dirty="0">
               <a:solidFill>
                 <a:srgbClr val="000066"/>
               </a:solidFill>
@@ -4035,7 +4215,7 @@
               <a:buNone/>
             </a:pPr>
             <a:r>
-              <a:rPr lang="zh-CN" altLang="en-US" sz="5400" b="1" dirty="0" smtClean="0">
+              <a:rPr lang="zh-CN" altLang="en-US" sz="4800" b="1" dirty="0">
                 <a:solidFill>
                   <a:srgbClr val="000066"/>
                 </a:solidFill>
@@ -4044,7 +4224,7 @@
               </a:rPr>
               <a:t>天使聖徒頌揚</a:t>
             </a:r>
-            <a:endParaRPr lang="zh-TW" altLang="en-US" sz="5400" b="1" dirty="0">
+            <a:endParaRPr lang="zh-TW" altLang="en-US" sz="4800" b="1" dirty="0">
               <a:solidFill>
                 <a:srgbClr val="000066"/>
               </a:solidFill>

--- a/(青年聖歌I134)真神之愛.pptx
+++ b/(青年聖歌I134)真神之愛.pptx
@@ -109,6 +109,22 @@
       </a:defRPr>
     </a:lvl9pPr>
   </p:defaultTextStyle>
+  <p:extLst>
+    <p:ext uri="{EFAFB233-063F-42B5-8137-9DF3F51BA10A}">
+      <p15:sldGuideLst xmlns:p15="http://schemas.microsoft.com/office/powerpoint/2012/main">
+        <p15:guide id="1" orient="horz" pos="1620">
+          <p15:clr>
+            <a:srgbClr val="A4A3A4"/>
+          </p15:clr>
+        </p15:guide>
+        <p15:guide id="2" pos="2880">
+          <p15:clr>
+            <a:srgbClr val="A4A3A4"/>
+          </p15:clr>
+        </p15:guide>
+      </p15:sldGuideLst>
+    </p:ext>
+  </p:extLst>
 </p:presentation>
 </file>
 
@@ -294,7 +310,7 @@
             <a:fld id="{BB57629D-B0A4-4A44-BE34-F116DC9A06E5}" type="datetimeFigureOut">
               <a:rPr lang="zh-TW" altLang="en-US" smtClean="0"/>
               <a:pPr/>
-              <a:t>2019/10/10</a:t>
+              <a:t>2019/10/11</a:t>
             </a:fld>
             <a:endParaRPr lang="zh-TW" altLang="en-US"/>
           </a:p>
@@ -461,7 +477,7 @@
             <a:fld id="{BB57629D-B0A4-4A44-BE34-F116DC9A06E5}" type="datetimeFigureOut">
               <a:rPr lang="zh-TW" altLang="en-US" smtClean="0"/>
               <a:pPr/>
-              <a:t>2019/10/10</a:t>
+              <a:t>2019/10/11</a:t>
             </a:fld>
             <a:endParaRPr lang="zh-TW" altLang="en-US"/>
           </a:p>
@@ -638,7 +654,7 @@
             <a:fld id="{BB57629D-B0A4-4A44-BE34-F116DC9A06E5}" type="datetimeFigureOut">
               <a:rPr lang="zh-TW" altLang="en-US" smtClean="0"/>
               <a:pPr/>
-              <a:t>2019/10/10</a:t>
+              <a:t>2019/10/11</a:t>
             </a:fld>
             <a:endParaRPr lang="zh-TW" altLang="en-US"/>
           </a:p>
@@ -805,7 +821,7 @@
             <a:fld id="{BB57629D-B0A4-4A44-BE34-F116DC9A06E5}" type="datetimeFigureOut">
               <a:rPr lang="zh-TW" altLang="en-US" smtClean="0"/>
               <a:pPr/>
-              <a:t>2019/10/10</a:t>
+              <a:t>2019/10/11</a:t>
             </a:fld>
             <a:endParaRPr lang="zh-TW" altLang="en-US"/>
           </a:p>
@@ -1048,7 +1064,7 @@
             <a:fld id="{BB57629D-B0A4-4A44-BE34-F116DC9A06E5}" type="datetimeFigureOut">
               <a:rPr lang="zh-TW" altLang="en-US" smtClean="0"/>
               <a:pPr/>
-              <a:t>2019/10/10</a:t>
+              <a:t>2019/10/11</a:t>
             </a:fld>
             <a:endParaRPr lang="zh-TW" altLang="en-US"/>
           </a:p>
@@ -1333,7 +1349,7 @@
             <a:fld id="{BB57629D-B0A4-4A44-BE34-F116DC9A06E5}" type="datetimeFigureOut">
               <a:rPr lang="zh-TW" altLang="en-US" smtClean="0"/>
               <a:pPr/>
-              <a:t>2019/10/10</a:t>
+              <a:t>2019/10/11</a:t>
             </a:fld>
             <a:endParaRPr lang="zh-TW" altLang="en-US"/>
           </a:p>
@@ -1752,7 +1768,7 @@
             <a:fld id="{BB57629D-B0A4-4A44-BE34-F116DC9A06E5}" type="datetimeFigureOut">
               <a:rPr lang="zh-TW" altLang="en-US" smtClean="0"/>
               <a:pPr/>
-              <a:t>2019/10/10</a:t>
+              <a:t>2019/10/11</a:t>
             </a:fld>
             <a:endParaRPr lang="zh-TW" altLang="en-US"/>
           </a:p>
@@ -1867,7 +1883,7 @@
             <a:fld id="{BB57629D-B0A4-4A44-BE34-F116DC9A06E5}" type="datetimeFigureOut">
               <a:rPr lang="zh-TW" altLang="en-US" smtClean="0"/>
               <a:pPr/>
-              <a:t>2019/10/10</a:t>
+              <a:t>2019/10/11</a:t>
             </a:fld>
             <a:endParaRPr lang="zh-TW" altLang="en-US"/>
           </a:p>
@@ -1959,7 +1975,7 @@
             <a:fld id="{BB57629D-B0A4-4A44-BE34-F116DC9A06E5}" type="datetimeFigureOut">
               <a:rPr lang="zh-TW" altLang="en-US" smtClean="0"/>
               <a:pPr/>
-              <a:t>2019/10/10</a:t>
+              <a:t>2019/10/11</a:t>
             </a:fld>
             <a:endParaRPr lang="zh-TW" altLang="en-US"/>
           </a:p>
@@ -2233,7 +2249,7 @@
             <a:fld id="{BB57629D-B0A4-4A44-BE34-F116DC9A06E5}" type="datetimeFigureOut">
               <a:rPr lang="zh-TW" altLang="en-US" smtClean="0"/>
               <a:pPr/>
-              <a:t>2019/10/10</a:t>
+              <a:t>2019/10/11</a:t>
             </a:fld>
             <a:endParaRPr lang="zh-TW" altLang="en-US"/>
           </a:p>
@@ -2487,7 +2503,7 @@
             <a:fld id="{BB57629D-B0A4-4A44-BE34-F116DC9A06E5}" type="datetimeFigureOut">
               <a:rPr lang="zh-TW" altLang="en-US" smtClean="0"/>
               <a:pPr/>
-              <a:t>2019/10/10</a:t>
+              <a:t>2019/10/11</a:t>
             </a:fld>
             <a:endParaRPr lang="zh-TW" altLang="en-US"/>
           </a:p>
@@ -2702,7 +2718,7 @@
             <a:fld id="{BB57629D-B0A4-4A44-BE34-F116DC9A06E5}" type="datetimeFigureOut">
               <a:rPr lang="zh-TW" altLang="en-US" smtClean="0"/>
               <a:pPr/>
-              <a:t>2019/10/10</a:t>
+              <a:t>2019/10/11</a:t>
             </a:fld>
             <a:endParaRPr lang="zh-TW" altLang="en-US"/>
           </a:p>
@@ -3979,14 +3995,44 @@
               <a:buNone/>
             </a:pPr>
             <a:r>
-              <a:rPr lang="zh-CN" altLang="en-US" sz="4800" b="1" dirty="0">
+              <a:rPr lang="zh-CN" altLang="en-US" sz="4800" b="1" dirty="0" smtClean="0">
                 <a:solidFill>
                   <a:srgbClr val="000066"/>
                 </a:solidFill>
                 <a:latin typeface="微軟正黑體" pitchFamily="34" charset="-120"/>
                 <a:ea typeface="微軟正黑體" pitchFamily="34" charset="-120"/>
               </a:rPr>
-              <a:t>案件雖長 如天連天</a:t>
+              <a:t>案</a:t>
+            </a:r>
+            <a:r>
+              <a:rPr lang="zh-TW" altLang="zh-TW" sz="4800" b="1" dirty="0">
+                <a:solidFill>
+                  <a:srgbClr val="000066"/>
+                </a:solidFill>
+                <a:latin typeface="微軟正黑體" pitchFamily="34" charset="-120"/>
+                <a:ea typeface="微軟正黑體" pitchFamily="34" charset="-120"/>
+              </a:rPr>
+              <a:t>卷</a:t>
+            </a:r>
+            <a:r>
+              <a:rPr lang="zh-CN" altLang="en-US" sz="4800" b="1" dirty="0" smtClean="0">
+                <a:solidFill>
+                  <a:srgbClr val="000066"/>
+                </a:solidFill>
+                <a:latin typeface="微軟正黑體" pitchFamily="34" charset="-120"/>
+                <a:ea typeface="微軟正黑體" pitchFamily="34" charset="-120"/>
+              </a:rPr>
+              <a:t>雖</a:t>
+            </a:r>
+            <a:r>
+              <a:rPr lang="zh-CN" altLang="en-US" sz="4800" b="1" dirty="0">
+                <a:solidFill>
+                  <a:srgbClr val="000066"/>
+                </a:solidFill>
+                <a:latin typeface="微軟正黑體" pitchFamily="34" charset="-120"/>
+                <a:ea typeface="微軟正黑體" pitchFamily="34" charset="-120"/>
+              </a:rPr>
+              <a:t>長 如天連天</a:t>
             </a:r>
             <a:endParaRPr lang="en-US" altLang="zh-CN" sz="4800" b="1" dirty="0">
               <a:solidFill>
